--- a/유니티 ppt/unity 17. 1.10.pptx
+++ b/유니티 ppt/unity 17. 1.10.pptx
@@ -218,14 +218,14 @@
           <a:effectLst/>
           <a:extLst>
             <a:ext uri="{909E8E84-426E-40DD-AFC4-6F175D3DCCD1}">
-              <a14:hiddenFill xmlns:a14="http://schemas.microsoft.com/office/drawing/2010/main" xmlns="">
+              <a14:hiddenFill xmlns="" xmlns:a14="http://schemas.microsoft.com/office/drawing/2010/main">
                 <a:solidFill>
                   <a:schemeClr val="accent1"/>
                 </a:solidFill>
               </a14:hiddenFill>
             </a:ext>
             <a:ext uri="{91240B29-F687-4F45-9708-019B960494DF}">
-              <a14:hiddenLine xmlns:a14="http://schemas.microsoft.com/office/drawing/2010/main" xmlns="" w="9525">
+              <a14:hiddenLine xmlns="" xmlns:a14="http://schemas.microsoft.com/office/drawing/2010/main" w="9525">
                 <a:solidFill>
                   <a:schemeClr val="tx1"/>
                 </a:solidFill>
@@ -235,7 +235,7 @@
               </a14:hiddenLine>
             </a:ext>
             <a:ext uri="{AF507438-7753-43E0-B8FC-AC1667EBCBE1}">
-              <a14:hiddenEffects xmlns:a14="http://schemas.microsoft.com/office/drawing/2010/main" xmlns="">
+              <a14:hiddenEffects xmlns="" xmlns:a14="http://schemas.microsoft.com/office/drawing/2010/main">
                 <a:effectLst>
                   <a:outerShdw dist="35921" dir="2700000" algn="ctr" rotWithShape="0">
                     <a:schemeClr val="bg2"/>
@@ -286,14 +286,14 @@
           <a:effectLst/>
           <a:extLst>
             <a:ext uri="{909E8E84-426E-40DD-AFC4-6F175D3DCCD1}">
-              <a14:hiddenFill xmlns:a14="http://schemas.microsoft.com/office/drawing/2010/main" xmlns="">
+              <a14:hiddenFill xmlns="" xmlns:a14="http://schemas.microsoft.com/office/drawing/2010/main">
                 <a:solidFill>
                   <a:schemeClr val="accent1"/>
                 </a:solidFill>
               </a14:hiddenFill>
             </a:ext>
             <a:ext uri="{91240B29-F687-4F45-9708-019B960494DF}">
-              <a14:hiddenLine xmlns:a14="http://schemas.microsoft.com/office/drawing/2010/main" xmlns="" w="9525">
+              <a14:hiddenLine xmlns="" xmlns:a14="http://schemas.microsoft.com/office/drawing/2010/main" w="9525">
                 <a:solidFill>
                   <a:schemeClr val="tx1"/>
                 </a:solidFill>
@@ -303,7 +303,7 @@
               </a14:hiddenLine>
             </a:ext>
             <a:ext uri="{AF507438-7753-43E0-B8FC-AC1667EBCBE1}">
-              <a14:hiddenEffects xmlns:a14="http://schemas.microsoft.com/office/drawing/2010/main" xmlns="">
+              <a14:hiddenEffects xmlns="" xmlns:a14="http://schemas.microsoft.com/office/drawing/2010/main">
                 <a:effectLst>
                   <a:outerShdw dist="35921" dir="2700000" algn="ctr" rotWithShape="0">
                     <a:schemeClr val="bg2"/>
@@ -354,14 +354,14 @@
           <a:effectLst/>
           <a:extLst>
             <a:ext uri="{909E8E84-426E-40DD-AFC4-6F175D3DCCD1}">
-              <a14:hiddenFill xmlns:a14="http://schemas.microsoft.com/office/drawing/2010/main" xmlns="">
+              <a14:hiddenFill xmlns="" xmlns:a14="http://schemas.microsoft.com/office/drawing/2010/main">
                 <a:solidFill>
                   <a:schemeClr val="accent1"/>
                 </a:solidFill>
               </a14:hiddenFill>
             </a:ext>
             <a:ext uri="{91240B29-F687-4F45-9708-019B960494DF}">
-              <a14:hiddenLine xmlns:a14="http://schemas.microsoft.com/office/drawing/2010/main" xmlns="" w="9525">
+              <a14:hiddenLine xmlns="" xmlns:a14="http://schemas.microsoft.com/office/drawing/2010/main" w="9525">
                 <a:solidFill>
                   <a:schemeClr val="tx1"/>
                 </a:solidFill>
@@ -371,7 +371,7 @@
               </a14:hiddenLine>
             </a:ext>
             <a:ext uri="{AF507438-7753-43E0-B8FC-AC1667EBCBE1}">
-              <a14:hiddenEffects xmlns:a14="http://schemas.microsoft.com/office/drawing/2010/main" xmlns="">
+              <a14:hiddenEffects xmlns="" xmlns:a14="http://schemas.microsoft.com/office/drawing/2010/main">
                 <a:effectLst>
                   <a:outerShdw dist="35921" dir="2700000" algn="ctr" rotWithShape="0">
                     <a:schemeClr val="bg2"/>
@@ -422,14 +422,14 @@
           <a:effectLst/>
           <a:extLst>
             <a:ext uri="{909E8E84-426E-40DD-AFC4-6F175D3DCCD1}">
-              <a14:hiddenFill xmlns:a14="http://schemas.microsoft.com/office/drawing/2010/main" xmlns="">
+              <a14:hiddenFill xmlns="" xmlns:a14="http://schemas.microsoft.com/office/drawing/2010/main">
                 <a:solidFill>
                   <a:schemeClr val="accent1"/>
                 </a:solidFill>
               </a14:hiddenFill>
             </a:ext>
             <a:ext uri="{91240B29-F687-4F45-9708-019B960494DF}">
-              <a14:hiddenLine xmlns:a14="http://schemas.microsoft.com/office/drawing/2010/main" xmlns="" w="9525">
+              <a14:hiddenLine xmlns="" xmlns:a14="http://schemas.microsoft.com/office/drawing/2010/main" w="9525">
                 <a:solidFill>
                   <a:schemeClr val="tx1"/>
                 </a:solidFill>
@@ -439,7 +439,7 @@
               </a14:hiddenLine>
             </a:ext>
             <a:ext uri="{AF507438-7753-43E0-B8FC-AC1667EBCBE1}">
-              <a14:hiddenEffects xmlns:a14="http://schemas.microsoft.com/office/drawing/2010/main" xmlns="">
+              <a14:hiddenEffects xmlns="" xmlns:a14="http://schemas.microsoft.com/office/drawing/2010/main">
                 <a:effectLst>
                   <a:outerShdw dist="35921" dir="2700000" algn="ctr" rotWithShape="0">
                     <a:schemeClr val="bg2"/>
@@ -473,7 +473,7 @@
     </p:spTree>
     <p:extLst>
       <p:ext uri="{BB962C8B-B14F-4D97-AF65-F5344CB8AC3E}">
-        <p14:creationId xmlns:p14="http://schemas.microsoft.com/office/powerpoint/2010/main" xmlns="" val="3164634251"/>
+        <p14:creationId xmlns="" xmlns:p14="http://schemas.microsoft.com/office/powerpoint/2010/main" val="3164634251"/>
       </p:ext>
     </p:extLst>
   </p:cSld>
@@ -531,14 +531,14 @@
           <a:effectLst/>
           <a:extLst>
             <a:ext uri="{909E8E84-426E-40DD-AFC4-6F175D3DCCD1}">
-              <a14:hiddenFill xmlns:a14="http://schemas.microsoft.com/office/drawing/2010/main" xmlns="">
+              <a14:hiddenFill xmlns="" xmlns:a14="http://schemas.microsoft.com/office/drawing/2010/main">
                 <a:solidFill>
                   <a:schemeClr val="accent1"/>
                 </a:solidFill>
               </a14:hiddenFill>
             </a:ext>
             <a:ext uri="{91240B29-F687-4F45-9708-019B960494DF}">
-              <a14:hiddenLine xmlns:a14="http://schemas.microsoft.com/office/drawing/2010/main" xmlns="" w="9525">
+              <a14:hiddenLine xmlns="" xmlns:a14="http://schemas.microsoft.com/office/drawing/2010/main" w="9525">
                 <a:solidFill>
                   <a:schemeClr val="tx1"/>
                 </a:solidFill>
@@ -548,7 +548,7 @@
               </a14:hiddenLine>
             </a:ext>
             <a:ext uri="{AF507438-7753-43E0-B8FC-AC1667EBCBE1}">
-              <a14:hiddenEffects xmlns:a14="http://schemas.microsoft.com/office/drawing/2010/main" xmlns="">
+              <a14:hiddenEffects xmlns="" xmlns:a14="http://schemas.microsoft.com/office/drawing/2010/main">
                 <a:effectLst>
                   <a:outerShdw dist="35921" dir="2700000" algn="ctr" rotWithShape="0">
                     <a:schemeClr val="bg2"/>
@@ -599,14 +599,14 @@
           <a:effectLst/>
           <a:extLst>
             <a:ext uri="{909E8E84-426E-40DD-AFC4-6F175D3DCCD1}">
-              <a14:hiddenFill xmlns:a14="http://schemas.microsoft.com/office/drawing/2010/main" xmlns="">
+              <a14:hiddenFill xmlns="" xmlns:a14="http://schemas.microsoft.com/office/drawing/2010/main">
                 <a:solidFill>
                   <a:schemeClr val="accent1"/>
                 </a:solidFill>
               </a14:hiddenFill>
             </a:ext>
             <a:ext uri="{91240B29-F687-4F45-9708-019B960494DF}">
-              <a14:hiddenLine xmlns:a14="http://schemas.microsoft.com/office/drawing/2010/main" xmlns="" w="9525">
+              <a14:hiddenLine xmlns="" xmlns:a14="http://schemas.microsoft.com/office/drawing/2010/main" w="9525">
                 <a:solidFill>
                   <a:schemeClr val="tx1"/>
                 </a:solidFill>
@@ -616,7 +616,7 @@
               </a14:hiddenLine>
             </a:ext>
             <a:ext uri="{AF507438-7753-43E0-B8FC-AC1667EBCBE1}">
-              <a14:hiddenEffects xmlns:a14="http://schemas.microsoft.com/office/drawing/2010/main" xmlns="">
+              <a14:hiddenEffects xmlns="" xmlns:a14="http://schemas.microsoft.com/office/drawing/2010/main">
                 <a:effectLst>
                   <a:outerShdw dist="35921" dir="2700000" algn="ctr" rotWithShape="0">
                     <a:schemeClr val="bg2"/>
@@ -672,7 +672,7 @@
           <a:effectLst/>
           <a:extLst>
             <a:ext uri="{AF507438-7753-43E0-B8FC-AC1667EBCBE1}">
-              <a14:hiddenEffects xmlns:a14="http://schemas.microsoft.com/office/drawing/2010/main" xmlns="">
+              <a14:hiddenEffects xmlns="" xmlns:a14="http://schemas.microsoft.com/office/drawing/2010/main">
                 <a:effectLst>
                   <a:outerShdw dist="35921" dir="2700000" algn="ctr" rotWithShape="0">
                     <a:srgbClr val="808080"/>
@@ -681,7 +681,7 @@
               </a14:hiddenEffects>
             </a:ext>
             <a:ext uri="{53640926-AAD7-44D8-BBD7-CCE9431645EC}">
-              <a14:shadowObscured xmlns:a14="http://schemas.microsoft.com/office/drawing/2010/main" xmlns="" val="1"/>
+              <a14:shadowObscured xmlns="" xmlns:a14="http://schemas.microsoft.com/office/drawing/2010/main" val="1"/>
             </a:ext>
           </a:extLst>
         </p:spPr>
@@ -711,14 +711,14 @@
           <a:effectLst/>
           <a:extLst>
             <a:ext uri="{909E8E84-426E-40DD-AFC4-6F175D3DCCD1}">
-              <a14:hiddenFill xmlns:a14="http://schemas.microsoft.com/office/drawing/2010/main" xmlns="">
+              <a14:hiddenFill xmlns="" xmlns:a14="http://schemas.microsoft.com/office/drawing/2010/main">
                 <a:solidFill>
                   <a:schemeClr val="accent1"/>
                 </a:solidFill>
               </a14:hiddenFill>
             </a:ext>
             <a:ext uri="{91240B29-F687-4F45-9708-019B960494DF}">
-              <a14:hiddenLine xmlns:a14="http://schemas.microsoft.com/office/drawing/2010/main" xmlns="" w="9525">
+              <a14:hiddenLine xmlns="" xmlns:a14="http://schemas.microsoft.com/office/drawing/2010/main" w="9525">
                 <a:solidFill>
                   <a:schemeClr val="tx1"/>
                 </a:solidFill>
@@ -728,7 +728,7 @@
               </a14:hiddenLine>
             </a:ext>
             <a:ext uri="{AF507438-7753-43E0-B8FC-AC1667EBCBE1}">
-              <a14:hiddenEffects xmlns:a14="http://schemas.microsoft.com/office/drawing/2010/main" xmlns="">
+              <a14:hiddenEffects xmlns="" xmlns:a14="http://schemas.microsoft.com/office/drawing/2010/main">
                 <a:effectLst>
                   <a:outerShdw dist="35921" dir="2700000" algn="ctr" rotWithShape="0">
                     <a:schemeClr val="bg2"/>
@@ -807,14 +807,14 @@
           <a:effectLst/>
           <a:extLst>
             <a:ext uri="{909E8E84-426E-40DD-AFC4-6F175D3DCCD1}">
-              <a14:hiddenFill xmlns:a14="http://schemas.microsoft.com/office/drawing/2010/main" xmlns="">
+              <a14:hiddenFill xmlns="" xmlns:a14="http://schemas.microsoft.com/office/drawing/2010/main">
                 <a:solidFill>
                   <a:schemeClr val="accent1"/>
                 </a:solidFill>
               </a14:hiddenFill>
             </a:ext>
             <a:ext uri="{91240B29-F687-4F45-9708-019B960494DF}">
-              <a14:hiddenLine xmlns:a14="http://schemas.microsoft.com/office/drawing/2010/main" xmlns="" w="9525">
+              <a14:hiddenLine xmlns="" xmlns:a14="http://schemas.microsoft.com/office/drawing/2010/main" w="9525">
                 <a:solidFill>
                   <a:schemeClr val="tx1"/>
                 </a:solidFill>
@@ -824,7 +824,7 @@
               </a14:hiddenLine>
             </a:ext>
             <a:ext uri="{AF507438-7753-43E0-B8FC-AC1667EBCBE1}">
-              <a14:hiddenEffects xmlns:a14="http://schemas.microsoft.com/office/drawing/2010/main" xmlns="">
+              <a14:hiddenEffects xmlns="" xmlns:a14="http://schemas.microsoft.com/office/drawing/2010/main">
                 <a:effectLst>
                   <a:outerShdw dist="35921" dir="2700000" algn="ctr" rotWithShape="0">
                     <a:schemeClr val="bg2"/>
@@ -875,14 +875,14 @@
           <a:effectLst/>
           <a:extLst>
             <a:ext uri="{909E8E84-426E-40DD-AFC4-6F175D3DCCD1}">
-              <a14:hiddenFill xmlns:a14="http://schemas.microsoft.com/office/drawing/2010/main" xmlns="">
+              <a14:hiddenFill xmlns="" xmlns:a14="http://schemas.microsoft.com/office/drawing/2010/main">
                 <a:solidFill>
                   <a:schemeClr val="accent1"/>
                 </a:solidFill>
               </a14:hiddenFill>
             </a:ext>
             <a:ext uri="{91240B29-F687-4F45-9708-019B960494DF}">
-              <a14:hiddenLine xmlns:a14="http://schemas.microsoft.com/office/drawing/2010/main" xmlns="" w="9525">
+              <a14:hiddenLine xmlns="" xmlns:a14="http://schemas.microsoft.com/office/drawing/2010/main" w="9525">
                 <a:solidFill>
                   <a:schemeClr val="tx1"/>
                 </a:solidFill>
@@ -892,7 +892,7 @@
               </a14:hiddenLine>
             </a:ext>
             <a:ext uri="{AF507438-7753-43E0-B8FC-AC1667EBCBE1}">
-              <a14:hiddenEffects xmlns:a14="http://schemas.microsoft.com/office/drawing/2010/main" xmlns="">
+              <a14:hiddenEffects xmlns="" xmlns:a14="http://schemas.microsoft.com/office/drawing/2010/main">
                 <a:effectLst>
                   <a:outerShdw dist="35921" dir="2700000" algn="ctr" rotWithShape="0">
                     <a:schemeClr val="bg2"/>
@@ -926,7 +926,7 @@
     </p:spTree>
     <p:extLst>
       <p:ext uri="{BB962C8B-B14F-4D97-AF65-F5344CB8AC3E}">
-        <p14:creationId xmlns:p14="http://schemas.microsoft.com/office/powerpoint/2010/main" xmlns="" val="841280231"/>
+        <p14:creationId xmlns="" xmlns:p14="http://schemas.microsoft.com/office/powerpoint/2010/main" val="841280231"/>
       </p:ext>
     </p:extLst>
   </p:cSld>
@@ -1497,7 +1497,7 @@
           <a:effectLst/>
           <a:extLst>
             <a:ext uri="{91240B29-F687-4F45-9708-019B960494DF}">
-              <a14:hiddenLine xmlns:a14="http://schemas.microsoft.com/office/drawing/2010/main" xmlns="" w="9525">
+              <a14:hiddenLine xmlns="" xmlns:a14="http://schemas.microsoft.com/office/drawing/2010/main" w="9525">
                 <a:solidFill>
                   <a:schemeClr val="tx1"/>
                 </a:solidFill>
@@ -1507,7 +1507,7 @@
               </a14:hiddenLine>
             </a:ext>
             <a:ext uri="{AF507438-7753-43E0-B8FC-AC1667EBCBE1}">
-              <a14:hiddenEffects xmlns:a14="http://schemas.microsoft.com/office/drawing/2010/main" xmlns="">
+              <a14:hiddenEffects xmlns="" xmlns:a14="http://schemas.microsoft.com/office/drawing/2010/main">
                 <a:effectLst>
                   <a:outerShdw dist="35921" dir="2700000" algn="ctr" rotWithShape="0">
                     <a:schemeClr val="bg2"/>
@@ -1548,14 +1548,14 @@
           <a:effectLst/>
           <a:extLst>
             <a:ext uri="{909E8E84-426E-40DD-AFC4-6F175D3DCCD1}">
-              <a14:hiddenFill xmlns:a14="http://schemas.microsoft.com/office/drawing/2010/main" xmlns="">
+              <a14:hiddenFill xmlns="" xmlns:a14="http://schemas.microsoft.com/office/drawing/2010/main">
                 <a:solidFill>
                   <a:schemeClr val="accent1"/>
                 </a:solidFill>
               </a14:hiddenFill>
             </a:ext>
             <a:ext uri="{91240B29-F687-4F45-9708-019B960494DF}">
-              <a14:hiddenLine xmlns:a14="http://schemas.microsoft.com/office/drawing/2010/main" xmlns="" w="9525">
+              <a14:hiddenLine xmlns="" xmlns:a14="http://schemas.microsoft.com/office/drawing/2010/main" w="9525">
                 <a:solidFill>
                   <a:srgbClr val="FFFFFF"/>
                 </a:solidFill>
@@ -1565,7 +1565,7 @@
               </a14:hiddenLine>
             </a:ext>
             <a:ext uri="{AF507438-7753-43E0-B8FC-AC1667EBCBE1}">
-              <a14:hiddenEffects xmlns:a14="http://schemas.microsoft.com/office/drawing/2010/main" xmlns="">
+              <a14:hiddenEffects xmlns="" xmlns:a14="http://schemas.microsoft.com/office/drawing/2010/main">
                 <a:effectLst>
                   <a:outerShdw dist="35921" dir="2700000" algn="ctr" rotWithShape="0">
                     <a:schemeClr val="bg2"/>
@@ -1765,7 +1765,7 @@
     </p:spTree>
     <p:extLst>
       <p:ext uri="{BB962C8B-B14F-4D97-AF65-F5344CB8AC3E}">
-        <p14:creationId xmlns:p14="http://schemas.microsoft.com/office/powerpoint/2010/main" xmlns="" val="1411104598"/>
+        <p14:creationId xmlns="" xmlns:p14="http://schemas.microsoft.com/office/powerpoint/2010/main" val="1411104598"/>
       </p:ext>
     </p:extLst>
   </p:cSld>
@@ -1908,7 +1908,7 @@
     </p:spTree>
     <p:extLst>
       <p:ext uri="{BB962C8B-B14F-4D97-AF65-F5344CB8AC3E}">
-        <p14:creationId xmlns:p14="http://schemas.microsoft.com/office/powerpoint/2010/main" xmlns="" val="362567413"/>
+        <p14:creationId xmlns="" xmlns:p14="http://schemas.microsoft.com/office/powerpoint/2010/main" val="362567413"/>
       </p:ext>
     </p:extLst>
   </p:cSld>
@@ -2041,7 +2041,7 @@
     </p:spTree>
     <p:extLst>
       <p:ext uri="{BB962C8B-B14F-4D97-AF65-F5344CB8AC3E}">
-        <p14:creationId xmlns:p14="http://schemas.microsoft.com/office/powerpoint/2010/main" xmlns="" val="1316154226"/>
+        <p14:creationId xmlns="" xmlns:p14="http://schemas.microsoft.com/office/powerpoint/2010/main" val="1316154226"/>
       </p:ext>
     </p:extLst>
   </p:cSld>
@@ -2196,7 +2196,7 @@
     </p:spTree>
     <p:extLst>
       <p:ext uri="{BB962C8B-B14F-4D97-AF65-F5344CB8AC3E}">
-        <p14:creationId xmlns:p14="http://schemas.microsoft.com/office/powerpoint/2010/main" xmlns="" val="1680507179"/>
+        <p14:creationId xmlns="" xmlns:p14="http://schemas.microsoft.com/office/powerpoint/2010/main" val="1680507179"/>
       </p:ext>
     </p:extLst>
   </p:cSld>
@@ -2447,7 +2447,7 @@
     </p:spTree>
     <p:extLst>
       <p:ext uri="{BB962C8B-B14F-4D97-AF65-F5344CB8AC3E}">
-        <p14:creationId xmlns:p14="http://schemas.microsoft.com/office/powerpoint/2010/main" xmlns="" val="167415826"/>
+        <p14:creationId xmlns="" xmlns:p14="http://schemas.microsoft.com/office/powerpoint/2010/main" val="167415826"/>
       </p:ext>
     </p:extLst>
   </p:cSld>
@@ -2837,7 +2837,7 @@
     </p:spTree>
     <p:extLst>
       <p:ext uri="{BB962C8B-B14F-4D97-AF65-F5344CB8AC3E}">
-        <p14:creationId xmlns:p14="http://schemas.microsoft.com/office/powerpoint/2010/main" xmlns="" val="1240705544"/>
+        <p14:creationId xmlns="" xmlns:p14="http://schemas.microsoft.com/office/powerpoint/2010/main" val="1240705544"/>
       </p:ext>
     </p:extLst>
   </p:cSld>
@@ -2918,7 +2918,7 @@
     </p:spTree>
     <p:extLst>
       <p:ext uri="{BB962C8B-B14F-4D97-AF65-F5344CB8AC3E}">
-        <p14:creationId xmlns:p14="http://schemas.microsoft.com/office/powerpoint/2010/main" xmlns="" val="1154259471"/>
+        <p14:creationId xmlns="" xmlns:p14="http://schemas.microsoft.com/office/powerpoint/2010/main" val="1154259471"/>
       </p:ext>
     </p:extLst>
   </p:cSld>
@@ -2976,7 +2976,7 @@
     </p:spTree>
     <p:extLst>
       <p:ext uri="{BB962C8B-B14F-4D97-AF65-F5344CB8AC3E}">
-        <p14:creationId xmlns:p14="http://schemas.microsoft.com/office/powerpoint/2010/main" xmlns="" val="2140515614"/>
+        <p14:creationId xmlns="" xmlns:p14="http://schemas.microsoft.com/office/powerpoint/2010/main" val="2140515614"/>
       </p:ext>
     </p:extLst>
   </p:cSld>
@@ -3216,7 +3216,7 @@
     </p:spTree>
     <p:extLst>
       <p:ext uri="{BB962C8B-B14F-4D97-AF65-F5344CB8AC3E}">
-        <p14:creationId xmlns:p14="http://schemas.microsoft.com/office/powerpoint/2010/main" xmlns="" val="1987763440"/>
+        <p14:creationId xmlns="" xmlns:p14="http://schemas.microsoft.com/office/powerpoint/2010/main" val="1987763440"/>
       </p:ext>
     </p:extLst>
   </p:cSld>
@@ -3432,7 +3432,7 @@
     </p:spTree>
     <p:extLst>
       <p:ext uri="{BB962C8B-B14F-4D97-AF65-F5344CB8AC3E}">
-        <p14:creationId xmlns:p14="http://schemas.microsoft.com/office/powerpoint/2010/main" xmlns="" val="1093278620"/>
+        <p14:creationId xmlns="" xmlns:p14="http://schemas.microsoft.com/office/powerpoint/2010/main" val="1093278620"/>
       </p:ext>
     </p:extLst>
   </p:cSld>
@@ -3492,14 +3492,14 @@
           <a:effectLst/>
           <a:extLst>
             <a:ext uri="{909E8E84-426E-40DD-AFC4-6F175D3DCCD1}">
-              <a14:hiddenFill xmlns:a14="http://schemas.microsoft.com/office/drawing/2010/main" xmlns="">
+              <a14:hiddenFill xmlns="" xmlns:a14="http://schemas.microsoft.com/office/drawing/2010/main">
                 <a:solidFill>
                   <a:schemeClr val="accent1"/>
                 </a:solidFill>
               </a14:hiddenFill>
             </a:ext>
             <a:ext uri="{91240B29-F687-4F45-9708-019B960494DF}">
-              <a14:hiddenLine xmlns:a14="http://schemas.microsoft.com/office/drawing/2010/main" xmlns="" w="9525">
+              <a14:hiddenLine xmlns="" xmlns:a14="http://schemas.microsoft.com/office/drawing/2010/main" w="9525">
                 <a:solidFill>
                   <a:schemeClr val="tx1"/>
                 </a:solidFill>
@@ -3509,7 +3509,7 @@
               </a14:hiddenLine>
             </a:ext>
             <a:ext uri="{AF507438-7753-43E0-B8FC-AC1667EBCBE1}">
-              <a14:hiddenEffects xmlns:a14="http://schemas.microsoft.com/office/drawing/2010/main" xmlns="">
+              <a14:hiddenEffects xmlns="" xmlns:a14="http://schemas.microsoft.com/office/drawing/2010/main">
                 <a:effectLst>
                   <a:outerShdw dist="35921" dir="2700000" algn="ctr" rotWithShape="0">
                     <a:schemeClr val="bg2"/>
@@ -3560,14 +3560,14 @@
           <a:effectLst/>
           <a:extLst>
             <a:ext uri="{909E8E84-426E-40DD-AFC4-6F175D3DCCD1}">
-              <a14:hiddenFill xmlns:a14="http://schemas.microsoft.com/office/drawing/2010/main" xmlns="">
+              <a14:hiddenFill xmlns="" xmlns:a14="http://schemas.microsoft.com/office/drawing/2010/main">
                 <a:solidFill>
                   <a:schemeClr val="accent1"/>
                 </a:solidFill>
               </a14:hiddenFill>
             </a:ext>
             <a:ext uri="{91240B29-F687-4F45-9708-019B960494DF}">
-              <a14:hiddenLine xmlns:a14="http://schemas.microsoft.com/office/drawing/2010/main" xmlns="" w="9525">
+              <a14:hiddenLine xmlns="" xmlns:a14="http://schemas.microsoft.com/office/drawing/2010/main" w="9525">
                 <a:solidFill>
                   <a:schemeClr val="tx1"/>
                 </a:solidFill>
@@ -3577,7 +3577,7 @@
               </a14:hiddenLine>
             </a:ext>
             <a:ext uri="{AF507438-7753-43E0-B8FC-AC1667EBCBE1}">
-              <a14:hiddenEffects xmlns:a14="http://schemas.microsoft.com/office/drawing/2010/main" xmlns="">
+              <a14:hiddenEffects xmlns="" xmlns:a14="http://schemas.microsoft.com/office/drawing/2010/main">
                 <a:effectLst>
                   <a:outerShdw dist="35921" dir="2700000" algn="ctr" rotWithShape="0">
                     <a:schemeClr val="bg2"/>
@@ -3649,14 +3649,14 @@
           <a:effectLst/>
           <a:extLst>
             <a:ext uri="{909E8E84-426E-40DD-AFC4-6F175D3DCCD1}">
-              <a14:hiddenFill xmlns:a14="http://schemas.microsoft.com/office/drawing/2010/main" xmlns="">
+              <a14:hiddenFill xmlns="" xmlns:a14="http://schemas.microsoft.com/office/drawing/2010/main">
                 <a:solidFill>
                   <a:schemeClr val="accent1"/>
                 </a:solidFill>
               </a14:hiddenFill>
             </a:ext>
             <a:ext uri="{91240B29-F687-4F45-9708-019B960494DF}">
-              <a14:hiddenLine xmlns:a14="http://schemas.microsoft.com/office/drawing/2010/main" xmlns="" w="9525">
+              <a14:hiddenLine xmlns="" xmlns:a14="http://schemas.microsoft.com/office/drawing/2010/main" w="9525">
                 <a:solidFill>
                   <a:schemeClr val="tx1"/>
                 </a:solidFill>
@@ -3666,7 +3666,7 @@
               </a14:hiddenLine>
             </a:ext>
             <a:ext uri="{AF507438-7753-43E0-B8FC-AC1667EBCBE1}">
-              <a14:hiddenEffects xmlns:a14="http://schemas.microsoft.com/office/drawing/2010/main" xmlns="">
+              <a14:hiddenEffects xmlns="" xmlns:a14="http://schemas.microsoft.com/office/drawing/2010/main">
                 <a:effectLst>
                   <a:outerShdw dist="35921" dir="2700000" algn="ctr" rotWithShape="0">
                     <a:schemeClr val="bg2"/>
@@ -3725,7 +3725,7 @@
           <a:effectLst/>
           <a:extLst>
             <a:ext uri="{91240B29-F687-4F45-9708-019B960494DF}">
-              <a14:hiddenLine xmlns:a14="http://schemas.microsoft.com/office/drawing/2010/main" xmlns="" w="9525">
+              <a14:hiddenLine xmlns="" xmlns:a14="http://schemas.microsoft.com/office/drawing/2010/main" w="9525">
                 <a:solidFill>
                   <a:schemeClr val="tx1"/>
                 </a:solidFill>
@@ -3735,7 +3735,7 @@
               </a14:hiddenLine>
             </a:ext>
             <a:ext uri="{AF507438-7753-43E0-B8FC-AC1667EBCBE1}">
-              <a14:hiddenEffects xmlns:a14="http://schemas.microsoft.com/office/drawing/2010/main" xmlns="">
+              <a14:hiddenEffects xmlns="" xmlns:a14="http://schemas.microsoft.com/office/drawing/2010/main">
                 <a:effectLst>
                   <a:outerShdw dist="35921" dir="2700000" algn="ctr" rotWithShape="0">
                     <a:schemeClr val="bg2"/>
@@ -3793,7 +3793,7 @@
           <a:effectLst/>
           <a:extLst>
             <a:ext uri="{91240B29-F687-4F45-9708-019B960494DF}">
-              <a14:hiddenLine xmlns:a14="http://schemas.microsoft.com/office/drawing/2010/main" xmlns="" w="9525">
+              <a14:hiddenLine xmlns="" xmlns:a14="http://schemas.microsoft.com/office/drawing/2010/main" w="9525">
                 <a:solidFill>
                   <a:schemeClr val="tx1"/>
                 </a:solidFill>
@@ -3803,7 +3803,7 @@
               </a14:hiddenLine>
             </a:ext>
             <a:ext uri="{AF507438-7753-43E0-B8FC-AC1667EBCBE1}">
-              <a14:hiddenEffects xmlns:a14="http://schemas.microsoft.com/office/drawing/2010/main" xmlns="">
+              <a14:hiddenEffects xmlns="" xmlns:a14="http://schemas.microsoft.com/office/drawing/2010/main">
                 <a:effectLst>
                   <a:outerShdw dist="35921" dir="2700000" algn="ctr" rotWithShape="0">
                     <a:schemeClr val="bg2"/>
@@ -3853,12 +3853,12 @@
           <a:effectLst/>
           <a:extLst>
             <a:ext uri="{909E8E84-426E-40DD-AFC4-6F175D3DCCD1}">
-              <a14:hiddenFill xmlns:a14="http://schemas.microsoft.com/office/drawing/2010/main" xmlns="">
+              <a14:hiddenFill xmlns="" xmlns:a14="http://schemas.microsoft.com/office/drawing/2010/main">
                 <a:noFill/>
               </a14:hiddenFill>
             </a:ext>
             <a:ext uri="{AF507438-7753-43E0-B8FC-AC1667EBCBE1}">
-              <a14:hiddenEffects xmlns:a14="http://schemas.microsoft.com/office/drawing/2010/main" xmlns="">
+              <a14:hiddenEffects xmlns="" xmlns:a14="http://schemas.microsoft.com/office/drawing/2010/main">
                 <a:effectLst>
                   <a:outerShdw dist="35921" dir="2700000" algn="ctr" rotWithShape="0">
                     <a:schemeClr val="bg2"/>
@@ -3902,14 +3902,14 @@
           <a:effectLst/>
           <a:extLst>
             <a:ext uri="{909E8E84-426E-40DD-AFC4-6F175D3DCCD1}">
-              <a14:hiddenFill xmlns:a14="http://schemas.microsoft.com/office/drawing/2010/main" xmlns="">
+              <a14:hiddenFill xmlns="" xmlns:a14="http://schemas.microsoft.com/office/drawing/2010/main">
                 <a:solidFill>
                   <a:schemeClr val="accent1"/>
                 </a:solidFill>
               </a14:hiddenFill>
             </a:ext>
             <a:ext uri="{91240B29-F687-4F45-9708-019B960494DF}">
-              <a14:hiddenLine xmlns:a14="http://schemas.microsoft.com/office/drawing/2010/main" xmlns="" w="9525">
+              <a14:hiddenLine xmlns="" xmlns:a14="http://schemas.microsoft.com/office/drawing/2010/main" w="9525">
                 <a:solidFill>
                   <a:schemeClr val="tx1"/>
                 </a:solidFill>
@@ -3919,7 +3919,7 @@
               </a14:hiddenLine>
             </a:ext>
             <a:ext uri="{AF507438-7753-43E0-B8FC-AC1667EBCBE1}">
-              <a14:hiddenEffects xmlns:a14="http://schemas.microsoft.com/office/drawing/2010/main" xmlns="">
+              <a14:hiddenEffects xmlns="" xmlns:a14="http://schemas.microsoft.com/office/drawing/2010/main">
                 <a:effectLst>
                   <a:outerShdw dist="35921" dir="2700000" algn="ctr" rotWithShape="0">
                     <a:schemeClr val="bg2"/>
@@ -4111,14 +4111,14 @@
           <a:effectLst/>
           <a:extLst>
             <a:ext uri="{909E8E84-426E-40DD-AFC4-6F175D3DCCD1}">
-              <a14:hiddenFill xmlns:a14="http://schemas.microsoft.com/office/drawing/2010/main" xmlns="">
+              <a14:hiddenFill xmlns="" xmlns:a14="http://schemas.microsoft.com/office/drawing/2010/main">
                 <a:solidFill>
                   <a:schemeClr val="accent1"/>
                 </a:solidFill>
               </a14:hiddenFill>
             </a:ext>
             <a:ext uri="{91240B29-F687-4F45-9708-019B960494DF}">
-              <a14:hiddenLine xmlns:a14="http://schemas.microsoft.com/office/drawing/2010/main" xmlns="" w="9525">
+              <a14:hiddenLine xmlns="" xmlns:a14="http://schemas.microsoft.com/office/drawing/2010/main" w="9525">
                 <a:solidFill>
                   <a:schemeClr val="tx1"/>
                 </a:solidFill>
@@ -4128,7 +4128,7 @@
               </a14:hiddenLine>
             </a:ext>
             <a:ext uri="{AF507438-7753-43E0-B8FC-AC1667EBCBE1}">
-              <a14:hiddenEffects xmlns:a14="http://schemas.microsoft.com/office/drawing/2010/main" xmlns="">
+              <a14:hiddenEffects xmlns="" xmlns:a14="http://schemas.microsoft.com/office/drawing/2010/main">
                 <a:effectLst>
                   <a:outerShdw dist="35921" dir="2700000" algn="ctr" rotWithShape="0">
                     <a:schemeClr val="bg2"/>
@@ -4307,14 +4307,14 @@
           <a:effectLst/>
           <a:extLst>
             <a:ext uri="{909E8E84-426E-40DD-AFC4-6F175D3DCCD1}">
-              <a14:hiddenFill xmlns:a14="http://schemas.microsoft.com/office/drawing/2010/main" xmlns="">
+              <a14:hiddenFill xmlns="" xmlns:a14="http://schemas.microsoft.com/office/drawing/2010/main">
                 <a:solidFill>
                   <a:schemeClr val="accent1"/>
                 </a:solidFill>
               </a14:hiddenFill>
             </a:ext>
             <a:ext uri="{91240B29-F687-4F45-9708-019B960494DF}">
-              <a14:hiddenLine xmlns:a14="http://schemas.microsoft.com/office/drawing/2010/main" xmlns="" w="9525">
+              <a14:hiddenLine xmlns="" xmlns:a14="http://schemas.microsoft.com/office/drawing/2010/main" w="9525">
                 <a:solidFill>
                   <a:srgbClr val="FFFFFF"/>
                 </a:solidFill>
@@ -4324,7 +4324,7 @@
               </a14:hiddenLine>
             </a:ext>
             <a:ext uri="{AF507438-7753-43E0-B8FC-AC1667EBCBE1}">
-              <a14:hiddenEffects xmlns:a14="http://schemas.microsoft.com/office/drawing/2010/main" xmlns="">
+              <a14:hiddenEffects xmlns="" xmlns:a14="http://schemas.microsoft.com/office/drawing/2010/main">
                 <a:effectLst>
                   <a:outerShdw dist="35921" dir="2700000" algn="ctr" rotWithShape="0">
                     <a:schemeClr val="bg2"/>
@@ -4893,21 +4893,8 @@
           <a:p>
             <a:r>
               <a:rPr lang="en-US" altLang="ko-KR" sz="2400" dirty="0" smtClean="0"/>
-              <a:t>2015. 11. 1 – 2017. </a:t>
-            </a:r>
-            <a:r>
-              <a:rPr lang="en-US" altLang="ko-KR" sz="2400" dirty="0" smtClean="0"/>
-              <a:t>1</a:t>
-            </a:r>
-            <a:r>
-              <a:rPr lang="en-US" altLang="ko-KR" sz="2400" dirty="0" smtClean="0"/>
-              <a:t>. </a:t>
-            </a:r>
-            <a:r>
-              <a:rPr lang="en-US" altLang="ko-KR" sz="2400" smtClean="0"/>
-              <a:t>10</a:t>
-            </a:r>
-            <a:endParaRPr lang="en-US" altLang="ko-KR" sz="2400" dirty="0" smtClean="0"/>
+              <a:t>2015. 11. 1 – 2017. 1. 10</a:t>
+            </a:r>
           </a:p>
           <a:p>
             <a:endParaRPr lang="en-US" altLang="ko-KR" sz="2400" dirty="0"/>
@@ -5081,7 +5068,7 @@
     </p:spTree>
     <p:extLst>
       <p:ext uri="{BB962C8B-B14F-4D97-AF65-F5344CB8AC3E}">
-        <p14:creationId xmlns:p14="http://schemas.microsoft.com/office/powerpoint/2010/main" xmlns="" val="1403883650"/>
+        <p14:creationId xmlns="" xmlns:p14="http://schemas.microsoft.com/office/powerpoint/2010/main" val="1403883650"/>
       </p:ext>
     </p:extLst>
   </p:cSld>
@@ -5216,7 +5203,7 @@
     </p:spTree>
     <p:extLst>
       <p:ext uri="{BB962C8B-B14F-4D97-AF65-F5344CB8AC3E}">
-        <p14:creationId xmlns:p14="http://schemas.microsoft.com/office/powerpoint/2010/main" xmlns="" val="1403883650"/>
+        <p14:creationId xmlns="" xmlns:p14="http://schemas.microsoft.com/office/powerpoint/2010/main" val="1403883650"/>
       </p:ext>
     </p:extLst>
   </p:cSld>
@@ -5460,7 +5447,7 @@
     </p:spTree>
     <p:extLst>
       <p:ext uri="{BB962C8B-B14F-4D97-AF65-F5344CB8AC3E}">
-        <p14:creationId xmlns:p14="http://schemas.microsoft.com/office/powerpoint/2010/main" xmlns="" val="1403883650"/>
+        <p14:creationId xmlns="" xmlns:p14="http://schemas.microsoft.com/office/powerpoint/2010/main" val="1403883650"/>
       </p:ext>
     </p:extLst>
   </p:cSld>
@@ -5561,7 +5548,7 @@
     </p:spTree>
     <p:extLst>
       <p:ext uri="{BB962C8B-B14F-4D97-AF65-F5344CB8AC3E}">
-        <p14:creationId xmlns:p14="http://schemas.microsoft.com/office/powerpoint/2010/main" xmlns="" val="1403883650"/>
+        <p14:creationId xmlns="" xmlns:p14="http://schemas.microsoft.com/office/powerpoint/2010/main" val="1403883650"/>
       </p:ext>
     </p:extLst>
   </p:cSld>
@@ -5665,14 +5652,14 @@
           <a:effectLst/>
           <a:extLst>
             <a:ext uri="{909E8E84-426E-40DD-AFC4-6F175D3DCCD1}">
-              <a14:hiddenFill xmlns:a14="http://schemas.microsoft.com/office/drawing/2010/main" xmlns="">
+              <a14:hiddenFill xmlns="" xmlns:a14="http://schemas.microsoft.com/office/drawing/2010/main">
                 <a:solidFill>
                   <a:schemeClr val="accent1"/>
                 </a:solidFill>
               </a14:hiddenFill>
             </a:ext>
             <a:ext uri="{91240B29-F687-4F45-9708-019B960494DF}">
-              <a14:hiddenLine xmlns:a14="http://schemas.microsoft.com/office/drawing/2010/main" xmlns="" w="9525">
+              <a14:hiddenLine xmlns="" xmlns:a14="http://schemas.microsoft.com/office/drawing/2010/main" w="9525">
                 <a:solidFill>
                   <a:schemeClr val="tx1"/>
                 </a:solidFill>
@@ -5682,7 +5669,7 @@
               </a14:hiddenLine>
             </a:ext>
             <a:ext uri="{AF507438-7753-43E0-B8FC-AC1667EBCBE1}">
-              <a14:hiddenEffects xmlns:a14="http://schemas.microsoft.com/office/drawing/2010/main" xmlns="">
+              <a14:hiddenEffects xmlns="" xmlns:a14="http://schemas.microsoft.com/office/drawing/2010/main">
                 <a:effectLst>
                   <a:outerShdw dist="35921" dir="2700000" algn="ctr" rotWithShape="0">
                     <a:schemeClr val="bg2"/>
@@ -5793,7 +5780,7 @@
     </p:spTree>
     <p:extLst>
       <p:ext uri="{BB962C8B-B14F-4D97-AF65-F5344CB8AC3E}">
-        <p14:creationId xmlns:p14="http://schemas.microsoft.com/office/powerpoint/2010/main" xmlns="" val="1403883650"/>
+        <p14:creationId xmlns="" xmlns:p14="http://schemas.microsoft.com/office/powerpoint/2010/main" val="1403883650"/>
       </p:ext>
     </p:extLst>
   </p:cSld>
@@ -5897,14 +5884,14 @@
           <a:effectLst/>
           <a:extLst>
             <a:ext uri="{909E8E84-426E-40DD-AFC4-6F175D3DCCD1}">
-              <a14:hiddenFill xmlns:a14="http://schemas.microsoft.com/office/drawing/2010/main" xmlns="">
+              <a14:hiddenFill xmlns="" xmlns:a14="http://schemas.microsoft.com/office/drawing/2010/main">
                 <a:solidFill>
                   <a:schemeClr val="accent1"/>
                 </a:solidFill>
               </a14:hiddenFill>
             </a:ext>
             <a:ext uri="{91240B29-F687-4F45-9708-019B960494DF}">
-              <a14:hiddenLine xmlns:a14="http://schemas.microsoft.com/office/drawing/2010/main" xmlns="" w="9525">
+              <a14:hiddenLine xmlns="" xmlns:a14="http://schemas.microsoft.com/office/drawing/2010/main" w="9525">
                 <a:solidFill>
                   <a:schemeClr val="tx1"/>
                 </a:solidFill>
@@ -5914,7 +5901,7 @@
               </a14:hiddenLine>
             </a:ext>
             <a:ext uri="{AF507438-7753-43E0-B8FC-AC1667EBCBE1}">
-              <a14:hiddenEffects xmlns:a14="http://schemas.microsoft.com/office/drawing/2010/main" xmlns="">
+              <a14:hiddenEffects xmlns="" xmlns:a14="http://schemas.microsoft.com/office/drawing/2010/main">
                 <a:effectLst>
                   <a:outerShdw dist="35921" dir="2700000" algn="ctr" rotWithShape="0">
                     <a:schemeClr val="bg2"/>
@@ -6060,7 +6047,7 @@
     </p:spTree>
     <p:extLst>
       <p:ext uri="{BB962C8B-B14F-4D97-AF65-F5344CB8AC3E}">
-        <p14:creationId xmlns:p14="http://schemas.microsoft.com/office/powerpoint/2010/main" xmlns="" val="1403883650"/>
+        <p14:creationId xmlns="" xmlns:p14="http://schemas.microsoft.com/office/powerpoint/2010/main" val="1403883650"/>
       </p:ext>
     </p:extLst>
   </p:cSld>
@@ -6342,7 +6329,7 @@
     </p:spTree>
     <p:extLst>
       <p:ext uri="{BB962C8B-B14F-4D97-AF65-F5344CB8AC3E}">
-        <p14:creationId xmlns:p14="http://schemas.microsoft.com/office/powerpoint/2010/main" xmlns="" val="1403883650"/>
+        <p14:creationId xmlns="" xmlns:p14="http://schemas.microsoft.com/office/powerpoint/2010/main" val="1403883650"/>
       </p:ext>
     </p:extLst>
   </p:cSld>
@@ -7151,7 +7138,7 @@
     </p:spTree>
     <p:extLst>
       <p:ext uri="{BB962C8B-B14F-4D97-AF65-F5344CB8AC3E}">
-        <p14:creationId xmlns:p14="http://schemas.microsoft.com/office/powerpoint/2010/main" xmlns="" val="1403883650"/>
+        <p14:creationId xmlns="" xmlns:p14="http://schemas.microsoft.com/office/powerpoint/2010/main" val="1403883650"/>
       </p:ext>
     </p:extLst>
   </p:cSld>
@@ -7306,7 +7293,7 @@
     </p:spTree>
     <p:extLst>
       <p:ext uri="{BB962C8B-B14F-4D97-AF65-F5344CB8AC3E}">
-        <p14:creationId xmlns:p14="http://schemas.microsoft.com/office/powerpoint/2010/main" xmlns="" val="1403883650"/>
+        <p14:creationId xmlns="" xmlns:p14="http://schemas.microsoft.com/office/powerpoint/2010/main" val="1403883650"/>
       </p:ext>
     </p:extLst>
   </p:cSld>
@@ -7485,7 +7472,7 @@
     </p:spTree>
     <p:extLst>
       <p:ext uri="{BB962C8B-B14F-4D97-AF65-F5344CB8AC3E}">
-        <p14:creationId xmlns:p14="http://schemas.microsoft.com/office/powerpoint/2010/main" xmlns="" val="1403883650"/>
+        <p14:creationId xmlns="" xmlns:p14="http://schemas.microsoft.com/office/powerpoint/2010/main" val="1403883650"/>
       </p:ext>
     </p:extLst>
   </p:cSld>
@@ -7675,7 +7662,7 @@
     </p:spTree>
     <p:extLst>
       <p:ext uri="{BB962C8B-B14F-4D97-AF65-F5344CB8AC3E}">
-        <p14:creationId xmlns:p14="http://schemas.microsoft.com/office/powerpoint/2010/main" xmlns="" val="1403883650"/>
+        <p14:creationId xmlns="" xmlns:p14="http://schemas.microsoft.com/office/powerpoint/2010/main" val="1403883650"/>
       </p:ext>
     </p:extLst>
   </p:cSld>
@@ -7776,7 +7763,7 @@
     </p:spTree>
     <p:extLst>
       <p:ext uri="{BB962C8B-B14F-4D97-AF65-F5344CB8AC3E}">
-        <p14:creationId xmlns:p14="http://schemas.microsoft.com/office/powerpoint/2010/main" xmlns="" val="1403883650"/>
+        <p14:creationId xmlns="" xmlns:p14="http://schemas.microsoft.com/office/powerpoint/2010/main" val="1403883650"/>
       </p:ext>
     </p:extLst>
   </p:cSld>
@@ -7905,14 +7892,14 @@
           <a:effectLst/>
           <a:extLst>
             <a:ext uri="{909E8E84-426E-40DD-AFC4-6F175D3DCCD1}">
-              <a14:hiddenFill xmlns:a14="http://schemas.microsoft.com/office/drawing/2010/main" xmlns="">
+              <a14:hiddenFill xmlns="" xmlns:a14="http://schemas.microsoft.com/office/drawing/2010/main">
                 <a:solidFill>
                   <a:schemeClr val="accent1"/>
                 </a:solidFill>
               </a14:hiddenFill>
             </a:ext>
             <a:ext uri="{91240B29-F687-4F45-9708-019B960494DF}">
-              <a14:hiddenLine xmlns:a14="http://schemas.microsoft.com/office/drawing/2010/main" xmlns="" w="9525">
+              <a14:hiddenLine xmlns="" xmlns:a14="http://schemas.microsoft.com/office/drawing/2010/main" w="9525">
                 <a:solidFill>
                   <a:schemeClr val="tx1"/>
                 </a:solidFill>
@@ -7922,7 +7909,7 @@
               </a14:hiddenLine>
             </a:ext>
             <a:ext uri="{AF507438-7753-43E0-B8FC-AC1667EBCBE1}">
-              <a14:hiddenEffects xmlns:a14="http://schemas.microsoft.com/office/drawing/2010/main" xmlns="">
+              <a14:hiddenEffects xmlns="" xmlns:a14="http://schemas.microsoft.com/office/drawing/2010/main">
                 <a:effectLst>
                   <a:outerShdw dist="35921" dir="2700000" algn="ctr" rotWithShape="0">
                     <a:schemeClr val="bg2"/>
@@ -8606,7 +8593,7 @@
     </p:spTree>
     <p:extLst>
       <p:ext uri="{BB962C8B-B14F-4D97-AF65-F5344CB8AC3E}">
-        <p14:creationId xmlns:p14="http://schemas.microsoft.com/office/powerpoint/2010/main" xmlns="" val="4227150050"/>
+        <p14:creationId xmlns="" xmlns:p14="http://schemas.microsoft.com/office/powerpoint/2010/main" val="4227150050"/>
       </p:ext>
     </p:extLst>
   </p:cSld>
@@ -8821,7 +8808,7 @@
     </p:spTree>
     <p:extLst>
       <p:ext uri="{BB962C8B-B14F-4D97-AF65-F5344CB8AC3E}">
-        <p14:creationId xmlns:p14="http://schemas.microsoft.com/office/powerpoint/2010/main" xmlns="" val="1274489067"/>
+        <p14:creationId xmlns="" xmlns:p14="http://schemas.microsoft.com/office/powerpoint/2010/main" val="1274489067"/>
       </p:ext>
     </p:extLst>
   </p:cSld>
@@ -8964,7 +8951,7 @@
     </p:spTree>
     <p:extLst>
       <p:ext uri="{BB962C8B-B14F-4D97-AF65-F5344CB8AC3E}">
-        <p14:creationId xmlns:p14="http://schemas.microsoft.com/office/powerpoint/2010/main" xmlns="" val="1403883650"/>
+        <p14:creationId xmlns="" xmlns:p14="http://schemas.microsoft.com/office/powerpoint/2010/main" val="1403883650"/>
       </p:ext>
     </p:extLst>
   </p:cSld>
@@ -9211,7 +9198,7 @@
     </p:spTree>
     <p:extLst>
       <p:ext uri="{BB962C8B-B14F-4D97-AF65-F5344CB8AC3E}">
-        <p14:creationId xmlns:p14="http://schemas.microsoft.com/office/powerpoint/2010/main" xmlns="" val="1403883650"/>
+        <p14:creationId xmlns="" xmlns:p14="http://schemas.microsoft.com/office/powerpoint/2010/main" val="1403883650"/>
       </p:ext>
     </p:extLst>
   </p:cSld>
@@ -9346,7 +9333,7 @@
     </p:spTree>
     <p:extLst>
       <p:ext uri="{BB962C8B-B14F-4D97-AF65-F5344CB8AC3E}">
-        <p14:creationId xmlns:p14="http://schemas.microsoft.com/office/powerpoint/2010/main" xmlns="" val="1403883650"/>
+        <p14:creationId xmlns="" xmlns:p14="http://schemas.microsoft.com/office/powerpoint/2010/main" val="1403883650"/>
       </p:ext>
     </p:extLst>
   </p:cSld>
@@ -9481,7 +9468,7 @@
     </p:spTree>
     <p:extLst>
       <p:ext uri="{BB962C8B-B14F-4D97-AF65-F5344CB8AC3E}">
-        <p14:creationId xmlns:p14="http://schemas.microsoft.com/office/powerpoint/2010/main" xmlns="" val="1403883650"/>
+        <p14:creationId xmlns="" xmlns:p14="http://schemas.microsoft.com/office/powerpoint/2010/main" val="1403883650"/>
       </p:ext>
     </p:extLst>
   </p:cSld>
